--- a/jupyter/AGData/Readme.pptx
+++ b/jupyter/AGData/Readme.pptx
@@ -2487,7 +2487,7 @@
                     </c:numCache>
                   </c:numRef>
                 </c:val>
-                <c:extLst>
+                <c:extLst xmlns:c15="http://schemas.microsoft.com/office/drawing/2012/chart">
                   <c:ext xmlns:c16="http://schemas.microsoft.com/office/drawing/2014/chart" uri="{C3380CC4-5D6E-409C-BE32-E72D297353CC}">
                     <c16:uniqueId val="{0000000D-DBF8-4EC6-B5D6-8060F3F01512}"/>
                   </c:ext>
@@ -2602,7 +2602,7 @@
                     </c:numCache>
                   </c:numRef>
                 </c:val>
-                <c:extLst>
+                <c:extLst xmlns:c15="http://schemas.microsoft.com/office/drawing/2012/chart">
                   <c:ext xmlns:c16="http://schemas.microsoft.com/office/drawing/2014/chart" uri="{C3380CC4-5D6E-409C-BE32-E72D297353CC}">
                     <c16:uniqueId val="{0000000E-DBF8-4EC6-B5D6-8060F3F01512}"/>
                   </c:ext>
@@ -9695,7 +9695,7 @@
             </a:r>
             <a:r>
               <a:rPr lang="en" sz="1600" i="1" u="sng" dirty="0"/>
-              <a:t>self sufficent  </a:t>
+              <a:t>self sufficient  </a:t>
             </a:r>
             <a:r>
               <a:rPr lang="en" sz="1600" dirty="0"/>
